--- a/LectureSlides/02_VisualizationOfLargeComplexData.pptx
+++ b/LectureSlides/02_VisualizationOfLargeComplexData.pptx
@@ -9,7 +9,7 @@
     <p:sldId id="257" r:id="rId3"/>
     <p:sldId id="258" r:id="rId4"/>
     <p:sldId id="259" r:id="rId5"/>
-    <p:sldId id="260" r:id="rId6"/>
+    <p:sldId id="297" r:id="rId6"/>
     <p:sldId id="261" r:id="rId7"/>
     <p:sldId id="262" r:id="rId8"/>
     <p:sldId id="263" r:id="rId9"/>
@@ -3505,7 +3505,7 @@
         </p:blipFill>
         <p:spPr bwMode="auto">
           <a:xfrm>
-            <a:off x="1752600" y="1193800"/>
+            <a:off x="1746250" y="1193800"/>
             <a:ext cx="5651500" cy="3390900"/>
           </a:xfrm>
           <a:prstGeom prst="rect">
@@ -4842,7 +4842,9 @@
         </p:nvSpPr>
         <p:spPr/>
         <p:txBody>
-          <a:bodyPr/>
+          <a:bodyPr>
+            <a:normAutofit fontScale="77500" lnSpcReduction="20000"/>
+          </a:bodyPr>
           <a:lstStyle/>
           <a:p>
             <a:pPr marL="0" lvl="0" indent="0">
@@ -5223,7 +5225,9 @@
         </p:nvSpPr>
         <p:spPr/>
         <p:txBody>
-          <a:bodyPr/>
+          <a:bodyPr>
+            <a:normAutofit fontScale="85000" lnSpcReduction="20000"/>
+          </a:bodyPr>
           <a:lstStyle/>
           <a:p>
             <a:pPr marL="0" lvl="0" indent="0">
@@ -6617,7 +6621,9 @@
         </p:nvSpPr>
         <p:spPr/>
         <p:txBody>
-          <a:bodyPr/>
+          <a:bodyPr>
+            <a:normAutofit fontScale="90000"/>
+          </a:bodyPr>
           <a:lstStyle/>
           <a:p>
             <a:pPr marL="0" lvl="0" indent="0">
@@ -7163,7 +7169,9 @@
         </p:nvSpPr>
         <p:spPr/>
         <p:txBody>
-          <a:bodyPr/>
+          <a:bodyPr>
+            <a:normAutofit fontScale="90000"/>
+          </a:bodyPr>
           <a:lstStyle/>
           <a:p>
             <a:pPr marL="0" lvl="0" indent="0">
@@ -7299,7 +7307,9 @@
         </p:nvSpPr>
         <p:spPr/>
         <p:txBody>
-          <a:bodyPr/>
+          <a:bodyPr>
+            <a:normAutofit fontScale="90000"/>
+          </a:bodyPr>
           <a:lstStyle/>
           <a:p>
             <a:pPr marL="0" lvl="0" indent="0">
@@ -8015,7 +8025,9 @@
         </p:nvSpPr>
         <p:spPr/>
         <p:txBody>
-          <a:bodyPr/>
+          <a:bodyPr>
+            <a:normAutofit fontScale="90000"/>
+          </a:bodyPr>
           <a:lstStyle/>
           <a:p>
             <a:pPr marL="0" lvl="0" indent="0">
@@ -8305,7 +8317,9 @@
         </p:nvSpPr>
         <p:spPr/>
         <p:txBody>
-          <a:bodyPr/>
+          <a:bodyPr>
+            <a:normAutofit fontScale="90000"/>
+          </a:bodyPr>
           <a:lstStyle/>
           <a:p>
             <a:pPr marL="0" lvl="0" indent="0">
@@ -8329,7 +8343,9 @@
         </p:nvSpPr>
         <p:spPr/>
         <p:txBody>
-          <a:bodyPr/>
+          <a:bodyPr>
+            <a:normAutofit fontScale="25000" lnSpcReduction="20000"/>
+          </a:bodyPr>
           <a:lstStyle/>
           <a:p>
             <a:pPr lvl="0" indent="0">
@@ -10169,7 +10185,9 @@
         </p:nvSpPr>
         <p:spPr/>
         <p:txBody>
-          <a:bodyPr/>
+          <a:bodyPr>
+            <a:normAutofit fontScale="90000"/>
+          </a:bodyPr>
           <a:lstStyle/>
           <a:p>
             <a:pPr marL="0" lvl="0" indent="0">
@@ -10713,8 +10731,10 @@
               <a:t>Scatter plot </a:t>
             </a:r>
             <a:r>
+              <a:rPr dirty="0" err="1"/>
               <a:t>matricies</a:t>
             </a:r>
+            <a:endParaRPr dirty="0"/>
           </a:p>
           <a:p>
             <a:pPr lvl="1"/>
@@ -10772,15 +10792,23 @@
             <p:ph type="title"/>
           </p:nvPr>
         </p:nvSpPr>
-        <p:spPr/>
-        <p:txBody>
-          <a:bodyPr/>
+        <p:spPr>
+          <a:xfrm>
+            <a:off x="457200" y="205979"/>
+            <a:ext cx="8229600" cy="476927"/>
+          </a:xfrm>
+        </p:spPr>
+        <p:txBody>
+          <a:bodyPr>
+            <a:normAutofit fontScale="90000"/>
+          </a:bodyPr>
           <a:lstStyle/>
           <a:p>
             <a:pPr marL="0" lvl="0" indent="0">
               <a:buNone/>
             </a:pPr>
             <a:r>
+              <a:rPr dirty="0"/>
               <a:t>Properties of Common Aesthetics</a:t>
             </a:r>
           </a:p>
@@ -10797,8 +10825,8 @@
           </p:nvPr>
         </p:nvGraphicFramePr>
         <p:xfrm>
-          <a:off x="457200" y="1193800"/>
-          <a:ext cx="8229600" cy="3566160"/>
+          <a:off x="337595" y="748880"/>
+          <a:ext cx="8613495" cy="4389120"/>
         </p:xfrm>
         <a:graphic>
           <a:graphicData uri="http://schemas.openxmlformats.org/drawingml/2006/table">
@@ -10807,21 +10835,21 @@
                 <a:tableStyleId>{5C22544A-7EE6-4342-B048-85BDC9FD1C3A}</a:tableStyleId>
               </a:tblPr>
               <a:tblGrid>
-                <a:gridCol w="2743200">
+                <a:gridCol w="2871165">
                   <a:extLst>
                     <a:ext uri="{9D8B030D-6E8A-4147-A177-3AD203B41FA5}">
                       <a16:colId xmlns:a16="http://schemas.microsoft.com/office/drawing/2014/main" val="20000"/>
                     </a:ext>
                   </a:extLst>
                 </a:gridCol>
-                <a:gridCol w="2743200">
+                <a:gridCol w="1467412">
                   <a:extLst>
                     <a:ext uri="{9D8B030D-6E8A-4147-A177-3AD203B41FA5}">
                       <a16:colId xmlns:a16="http://schemas.microsoft.com/office/drawing/2014/main" val="20001"/>
                     </a:ext>
                   </a:extLst>
                 </a:gridCol>
-                <a:gridCol w="2743200">
+                <a:gridCol w="4274918">
                   <a:extLst>
                     <a:ext uri="{9D8B030D-6E8A-4147-A177-3AD203B41FA5}">
                       <a16:colId xmlns:a16="http://schemas.microsoft.com/office/drawing/2014/main" val="20002"/>
@@ -10829,7 +10857,7 @@
                   </a:extLst>
                 </a:gridCol>
               </a:tblGrid>
-              <a:tr h="0">
+              <a:tr h="323776">
                 <a:tc>
                   <a:txBody>
                     <a:bodyPr/>
@@ -10839,6 +10867,7 @@
                         <a:buNone/>
                       </a:pPr>
                       <a:r>
+                        <a:rPr sz="1800"/>
                         <a:t>Property or Aesthetic</a:t>
                       </a:r>
                     </a:p>
@@ -10854,6 +10883,7 @@
                         <a:buNone/>
                       </a:pPr>
                       <a:r>
+                        <a:rPr sz="1800"/>
                         <a:t>Perception</a:t>
                       </a:r>
                     </a:p>
@@ -10869,6 +10899,7 @@
                         <a:buNone/>
                       </a:pPr>
                       <a:r>
+                        <a:rPr sz="1800"/>
                         <a:t>Data Types</a:t>
                       </a:r>
                     </a:p>
@@ -10881,7 +10912,7 @@
                   </a:ext>
                 </a:extLst>
               </a:tr>
-              <a:tr h="0">
+              <a:tr h="323776">
                 <a:tc>
                   <a:txBody>
                     <a:bodyPr/>
@@ -10891,6 +10922,7 @@
                         <a:buNone/>
                       </a:pPr>
                       <a:r>
+                        <a:rPr sz="1800"/>
                         <a:t>Aspect ratio</a:t>
                       </a:r>
                     </a:p>
@@ -10906,6 +10938,7 @@
                         <a:buNone/>
                       </a:pPr>
                       <a:r>
+                        <a:rPr sz="1800"/>
                         <a:t>Good</a:t>
                       </a:r>
                     </a:p>
@@ -10921,6 +10954,7 @@
                         <a:buNone/>
                       </a:pPr>
                       <a:r>
+                        <a:rPr sz="1800"/>
                         <a:t>Numeric</a:t>
                       </a:r>
                     </a:p>
@@ -10933,7 +10967,7 @@
                   </a:ext>
                 </a:extLst>
               </a:tr>
-              <a:tr h="0">
+              <a:tr h="323776">
                 <a:tc>
                   <a:txBody>
                     <a:bodyPr/>
@@ -10943,6 +10977,7 @@
                         <a:buNone/>
                       </a:pPr>
                       <a:r>
+                        <a:rPr sz="1800"/>
                         <a:t>Regression lines</a:t>
                       </a:r>
                     </a:p>
@@ -10958,6 +10993,7 @@
                         <a:buNone/>
                       </a:pPr>
                       <a:r>
+                        <a:rPr sz="1800"/>
                         <a:t>Good</a:t>
                       </a:r>
                     </a:p>
@@ -10973,6 +11009,7 @@
                         <a:buNone/>
                       </a:pPr>
                       <a:r>
+                        <a:rPr sz="1800"/>
                         <a:t>Numeric plus categorical</a:t>
                       </a:r>
                     </a:p>
@@ -10985,7 +11022,7 @@
                   </a:ext>
                 </a:extLst>
               </a:tr>
-              <a:tr h="0">
+              <a:tr h="323776">
                 <a:tc>
                   <a:txBody>
                     <a:bodyPr/>
@@ -10995,6 +11032,7 @@
                         <a:buNone/>
                       </a:pPr>
                       <a:r>
+                        <a:rPr sz="1800"/>
                         <a:t>Marker position</a:t>
                       </a:r>
                     </a:p>
@@ -11010,6 +11048,7 @@
                         <a:buNone/>
                       </a:pPr>
                       <a:r>
+                        <a:rPr sz="1800"/>
                         <a:t>Good</a:t>
                       </a:r>
                     </a:p>
@@ -11025,6 +11064,7 @@
                         <a:buNone/>
                       </a:pPr>
                       <a:r>
+                        <a:rPr sz="1800"/>
                         <a:t>Numeric</a:t>
                       </a:r>
                     </a:p>
@@ -11037,7 +11077,7 @@
                   </a:ext>
                 </a:extLst>
               </a:tr>
-              <a:tr h="0">
+              <a:tr h="323776">
                 <a:tc>
                   <a:txBody>
                     <a:bodyPr/>
@@ -11047,6 +11087,7 @@
                         <a:buNone/>
                       </a:pPr>
                       <a:r>
+                        <a:rPr sz="1800"/>
                         <a:t>Bar length</a:t>
                       </a:r>
                     </a:p>
@@ -11062,6 +11103,7 @@
                         <a:buNone/>
                       </a:pPr>
                       <a:r>
+                        <a:rPr sz="1800"/>
                         <a:t>Good</a:t>
                       </a:r>
                     </a:p>
@@ -11077,6 +11119,7 @@
                         <a:buNone/>
                       </a:pPr>
                       <a:r>
+                        <a:rPr sz="1800"/>
                         <a:t>Counts, numeric</a:t>
                       </a:r>
                     </a:p>
@@ -11089,7 +11132,7 @@
                   </a:ext>
                 </a:extLst>
               </a:tr>
-              <a:tr h="0">
+              <a:tr h="323776">
                 <a:tc>
                   <a:txBody>
                     <a:bodyPr/>
@@ -11099,6 +11142,7 @@
                         <a:buNone/>
                       </a:pPr>
                       <a:r>
+                        <a:rPr sz="1800"/>
                         <a:t>Sequential color palette</a:t>
                       </a:r>
                     </a:p>
@@ -11114,6 +11158,7 @@
                         <a:buNone/>
                       </a:pPr>
                       <a:r>
+                        <a:rPr sz="1800"/>
                         <a:t>Moderate</a:t>
                       </a:r>
                     </a:p>
@@ -11129,6 +11174,7 @@
                         <a:buNone/>
                       </a:pPr>
                       <a:r>
+                        <a:rPr sz="1800"/>
                         <a:t>Numeric, ordered categorical</a:t>
                       </a:r>
                     </a:p>
@@ -11141,7 +11187,7 @@
                   </a:ext>
                 </a:extLst>
               </a:tr>
-              <a:tr h="0">
+              <a:tr h="323776">
                 <a:tc>
                   <a:txBody>
                     <a:bodyPr/>
@@ -11151,6 +11197,7 @@
                         <a:buNone/>
                       </a:pPr>
                       <a:r>
+                        <a:rPr sz="1800"/>
                         <a:t>Marker size</a:t>
                       </a:r>
                     </a:p>
@@ -11166,6 +11213,7 @@
                         <a:buNone/>
                       </a:pPr>
                       <a:r>
+                        <a:rPr sz="1800"/>
                         <a:t>Moderate</a:t>
                       </a:r>
                     </a:p>
@@ -11181,6 +11229,7 @@
                         <a:buNone/>
                       </a:pPr>
                       <a:r>
+                        <a:rPr sz="1800"/>
                         <a:t>Numeric, ordered categorical</a:t>
                       </a:r>
                     </a:p>
@@ -11193,7 +11242,7 @@
                   </a:ext>
                 </a:extLst>
               </a:tr>
-              <a:tr h="0">
+              <a:tr h="323776">
                 <a:tc>
                   <a:txBody>
                     <a:bodyPr/>
@@ -11203,6 +11252,7 @@
                         <a:buNone/>
                       </a:pPr>
                       <a:r>
+                        <a:rPr sz="1800"/>
                         <a:t>Line types</a:t>
                       </a:r>
                     </a:p>
@@ -11218,6 +11268,7 @@
                         <a:buNone/>
                       </a:pPr>
                       <a:r>
+                        <a:rPr sz="1800"/>
                         <a:t>Limited</a:t>
                       </a:r>
                     </a:p>
@@ -11233,6 +11284,7 @@
                         <a:buNone/>
                       </a:pPr>
                       <a:r>
+                        <a:rPr sz="1800"/>
                         <a:t>Categorical</a:t>
                       </a:r>
                     </a:p>
@@ -11245,7 +11297,7 @@
                   </a:ext>
                 </a:extLst>
               </a:tr>
-              <a:tr h="0">
+              <a:tr h="323776">
                 <a:tc>
                   <a:txBody>
                     <a:bodyPr/>
@@ -11255,6 +11307,7 @@
                         <a:buNone/>
                       </a:pPr>
                       <a:r>
+                        <a:rPr sz="1800"/>
                         <a:t>Qualitative color palette</a:t>
                       </a:r>
                     </a:p>
@@ -11270,6 +11323,7 @@
                         <a:buNone/>
                       </a:pPr>
                       <a:r>
+                        <a:rPr sz="1800"/>
                         <a:t>Limited</a:t>
                       </a:r>
                     </a:p>
@@ -11285,6 +11339,7 @@
                         <a:buNone/>
                       </a:pPr>
                       <a:r>
+                        <a:rPr sz="1800"/>
                         <a:t>Categorical</a:t>
                       </a:r>
                     </a:p>
@@ -11297,7 +11352,7 @@
                   </a:ext>
                 </a:extLst>
               </a:tr>
-              <a:tr h="0">
+              <a:tr h="323776">
                 <a:tc>
                   <a:txBody>
                     <a:bodyPr/>
@@ -11307,6 +11362,7 @@
                         <a:buNone/>
                       </a:pPr>
                       <a:r>
+                        <a:rPr sz="1800"/>
                         <a:t>Marker shape</a:t>
                       </a:r>
                     </a:p>
@@ -11322,6 +11378,7 @@
                         <a:buNone/>
                       </a:pPr>
                       <a:r>
+                        <a:rPr sz="1800"/>
                         <a:t>Limited</a:t>
                       </a:r>
                     </a:p>
@@ -11337,6 +11394,7 @@
                         <a:buNone/>
                       </a:pPr>
                       <a:r>
+                        <a:rPr sz="1800"/>
                         <a:t>Categorical</a:t>
                       </a:r>
                     </a:p>
@@ -11349,7 +11407,7 @@
                   </a:ext>
                 </a:extLst>
               </a:tr>
-              <a:tr h="0">
+              <a:tr h="323776">
                 <a:tc>
                   <a:txBody>
                     <a:bodyPr/>
@@ -11359,6 +11417,7 @@
                         <a:buNone/>
                       </a:pPr>
                       <a:r>
+                        <a:rPr sz="1800"/>
                         <a:t>Area</a:t>
                       </a:r>
                     </a:p>
@@ -11374,6 +11433,7 @@
                         <a:buNone/>
                       </a:pPr>
                       <a:r>
+                        <a:rPr sz="1800"/>
                         <a:t>Limited</a:t>
                       </a:r>
                     </a:p>
@@ -11389,6 +11449,7 @@
                         <a:buNone/>
                       </a:pPr>
                       <a:r>
+                        <a:rPr sz="1800"/>
                         <a:t>Numeric or categorical</a:t>
                       </a:r>
                     </a:p>
@@ -11401,7 +11462,7 @@
                   </a:ext>
                 </a:extLst>
               </a:tr>
-              <a:tr h="0">
+              <a:tr h="312758">
                 <a:tc>
                   <a:txBody>
                     <a:bodyPr/>
@@ -11411,6 +11472,7 @@
                         <a:buNone/>
                       </a:pPr>
                       <a:r>
+                        <a:rPr sz="1800"/>
                         <a:t>Angle</a:t>
                       </a:r>
                     </a:p>
@@ -11426,6 +11488,7 @@
                         <a:buNone/>
                       </a:pPr>
                       <a:r>
+                        <a:rPr sz="1800"/>
                         <a:t>Limited</a:t>
                       </a:r>
                     </a:p>
@@ -11441,6 +11504,7 @@
                         <a:buNone/>
                       </a:pPr>
                       <a:r>
+                        <a:rPr sz="1800" dirty="0"/>
                         <a:t>Numeric</a:t>
                       </a:r>
                     </a:p>
@@ -11779,7 +11843,9 @@
         </p:nvSpPr>
         <p:spPr/>
         <p:txBody>
-          <a:bodyPr/>
+          <a:bodyPr>
+            <a:normAutofit fontScale="90000"/>
+          </a:bodyPr>
           <a:lstStyle/>
           <a:p>
             <a:pPr marL="0" lvl="0" indent="0">
